--- a/trunk/DimesVis/Documentation/מצגת פרוייקט.pptx
+++ b/trunk/DimesVis/Documentation/מצגת פרוייקט.pptx
@@ -15,15 +15,16 @@
     <p:sldId id="263" r:id="rId9"/>
     <p:sldId id="266" r:id="rId10"/>
     <p:sldId id="265" r:id="rId11"/>
-    <p:sldId id="274" r:id="rId12"/>
-    <p:sldId id="267" r:id="rId13"/>
-    <p:sldId id="268" r:id="rId14"/>
-    <p:sldId id="269" r:id="rId15"/>
-    <p:sldId id="270" r:id="rId16"/>
-    <p:sldId id="273" r:id="rId17"/>
-    <p:sldId id="272" r:id="rId18"/>
-    <p:sldId id="271" r:id="rId19"/>
-    <p:sldId id="264" r:id="rId20"/>
+    <p:sldId id="275" r:id="rId12"/>
+    <p:sldId id="274" r:id="rId13"/>
+    <p:sldId id="267" r:id="rId14"/>
+    <p:sldId id="268" r:id="rId15"/>
+    <p:sldId id="269" r:id="rId16"/>
+    <p:sldId id="270" r:id="rId17"/>
+    <p:sldId id="273" r:id="rId18"/>
+    <p:sldId id="272" r:id="rId19"/>
+    <p:sldId id="271" r:id="rId20"/>
+    <p:sldId id="264" r:id="rId21"/>
   </p:sldIdLst>
   <p:sldSz cx="9144000" cy="6858000" type="screen4x3"/>
   <p:notesSz cx="6858000" cy="9144000"/>
@@ -236,7 +237,8 @@
           <a:p>
             <a:fld id="{09ACC69C-1C34-4E5C-B402-C1E600821C04}" type="datetimeFigureOut">
               <a:rPr lang="he-IL" smtClean="0"/>
-              <a:t>י"ח/אב/תשע"ב</a:t>
+              <a:pPr/>
+              <a:t>כ'/אב/תשע"ב</a:t>
             </a:fld>
             <a:endParaRPr lang="he-IL"/>
           </a:p>
@@ -278,6 +280,7 @@
           <a:p>
             <a:fld id="{579FEC2A-48F0-426C-B2D0-87AC5AA4E67A}" type="slidenum">
               <a:rPr lang="he-IL" smtClean="0"/>
+              <a:pPr/>
               <a:t>‹#›</a:t>
             </a:fld>
             <a:endParaRPr lang="he-IL"/>
@@ -462,7 +465,8 @@
           <a:p>
             <a:fld id="{09ACC69C-1C34-4E5C-B402-C1E600821C04}" type="datetimeFigureOut">
               <a:rPr lang="he-IL" smtClean="0"/>
-              <a:t>י"ח/אב/תשע"ב</a:t>
+              <a:pPr/>
+              <a:t>כ'/אב/תשע"ב</a:t>
             </a:fld>
             <a:endParaRPr lang="he-IL"/>
           </a:p>
@@ -504,6 +508,7 @@
           <a:p>
             <a:fld id="{579FEC2A-48F0-426C-B2D0-87AC5AA4E67A}" type="slidenum">
               <a:rPr lang="he-IL" smtClean="0"/>
+              <a:pPr/>
               <a:t>‹#›</a:t>
             </a:fld>
             <a:endParaRPr lang="he-IL"/>
@@ -637,7 +642,8 @@
           <a:p>
             <a:fld id="{09ACC69C-1C34-4E5C-B402-C1E600821C04}" type="datetimeFigureOut">
               <a:rPr lang="he-IL" smtClean="0"/>
-              <a:t>י"ח/אב/תשע"ב</a:t>
+              <a:pPr/>
+              <a:t>כ'/אב/תשע"ב</a:t>
             </a:fld>
             <a:endParaRPr lang="he-IL"/>
           </a:p>
@@ -679,6 +685,7 @@
           <a:p>
             <a:fld id="{579FEC2A-48F0-426C-B2D0-87AC5AA4E67A}" type="slidenum">
               <a:rPr lang="he-IL" smtClean="0"/>
+              <a:pPr/>
               <a:t>‹#›</a:t>
             </a:fld>
             <a:endParaRPr lang="he-IL"/>
@@ -802,7 +809,8 @@
           <a:p>
             <a:fld id="{09ACC69C-1C34-4E5C-B402-C1E600821C04}" type="datetimeFigureOut">
               <a:rPr lang="he-IL" smtClean="0"/>
-              <a:t>י"ח/אב/תשע"ב</a:t>
+              <a:pPr/>
+              <a:t>כ'/אב/תשע"ב</a:t>
             </a:fld>
             <a:endParaRPr lang="he-IL"/>
           </a:p>
@@ -844,6 +852,7 @@
           <a:p>
             <a:fld id="{579FEC2A-48F0-426C-B2D0-87AC5AA4E67A}" type="slidenum">
               <a:rPr lang="he-IL" smtClean="0"/>
+              <a:pPr/>
               <a:t>‹#›</a:t>
             </a:fld>
             <a:endParaRPr lang="he-IL"/>
@@ -1046,7 +1055,8 @@
           <a:p>
             <a:fld id="{09ACC69C-1C34-4E5C-B402-C1E600821C04}" type="datetimeFigureOut">
               <a:rPr lang="he-IL" smtClean="0"/>
-              <a:t>י"ח/אב/תשע"ב</a:t>
+              <a:pPr/>
+              <a:t>כ'/אב/תשע"ב</a:t>
             </a:fld>
             <a:endParaRPr lang="he-IL"/>
           </a:p>
@@ -1093,6 +1103,7 @@
           <a:p>
             <a:fld id="{579FEC2A-48F0-426C-B2D0-87AC5AA4E67A}" type="slidenum">
               <a:rPr lang="he-IL" smtClean="0"/>
+              <a:pPr/>
               <a:t>‹#›</a:t>
             </a:fld>
             <a:endParaRPr lang="he-IL"/>
@@ -1310,7 +1321,8 @@
           <a:p>
             <a:fld id="{09ACC69C-1C34-4E5C-B402-C1E600821C04}" type="datetimeFigureOut">
               <a:rPr lang="he-IL" smtClean="0"/>
-              <a:t>י"ח/אב/תשע"ב</a:t>
+              <a:pPr/>
+              <a:t>כ'/אב/תשע"ב</a:t>
             </a:fld>
             <a:endParaRPr lang="he-IL"/>
           </a:p>
@@ -1352,6 +1364,7 @@
           <a:p>
             <a:fld id="{579FEC2A-48F0-426C-B2D0-87AC5AA4E67A}" type="slidenum">
               <a:rPr lang="he-IL" smtClean="0"/>
+              <a:pPr/>
               <a:t>‹#›</a:t>
             </a:fld>
             <a:endParaRPr lang="he-IL"/>
@@ -1684,7 +1697,8 @@
           <a:p>
             <a:fld id="{09ACC69C-1C34-4E5C-B402-C1E600821C04}" type="datetimeFigureOut">
               <a:rPr lang="he-IL" smtClean="0"/>
-              <a:t>י"ח/אב/תשע"ב</a:t>
+              <a:pPr/>
+              <a:t>כ'/אב/תשע"ב</a:t>
             </a:fld>
             <a:endParaRPr lang="he-IL"/>
           </a:p>
@@ -1726,6 +1740,7 @@
           <a:p>
             <a:fld id="{579FEC2A-48F0-426C-B2D0-87AC5AA4E67A}" type="slidenum">
               <a:rPr lang="he-IL" smtClean="0"/>
+              <a:pPr/>
               <a:t>‹#›</a:t>
             </a:fld>
             <a:endParaRPr lang="he-IL"/>
@@ -1797,7 +1812,8 @@
           <a:p>
             <a:fld id="{09ACC69C-1C34-4E5C-B402-C1E600821C04}" type="datetimeFigureOut">
               <a:rPr lang="he-IL" smtClean="0"/>
-              <a:t>י"ח/אב/תשע"ב</a:t>
+              <a:pPr/>
+              <a:t>כ'/אב/תשע"ב</a:t>
             </a:fld>
             <a:endParaRPr lang="he-IL"/>
           </a:p>
@@ -1839,6 +1855,7 @@
           <a:p>
             <a:fld id="{579FEC2A-48F0-426C-B2D0-87AC5AA4E67A}" type="slidenum">
               <a:rPr lang="he-IL" smtClean="0"/>
+              <a:pPr/>
               <a:t>‹#›</a:t>
             </a:fld>
             <a:endParaRPr lang="he-IL"/>
@@ -1887,7 +1904,8 @@
           <a:p>
             <a:fld id="{09ACC69C-1C34-4E5C-B402-C1E600821C04}" type="datetimeFigureOut">
               <a:rPr lang="he-IL" smtClean="0"/>
-              <a:t>י"ח/אב/תשע"ב</a:t>
+              <a:pPr/>
+              <a:t>כ'/אב/תשע"ב</a:t>
             </a:fld>
             <a:endParaRPr lang="he-IL"/>
           </a:p>
@@ -1929,6 +1947,7 @@
           <a:p>
             <a:fld id="{579FEC2A-48F0-426C-B2D0-87AC5AA4E67A}" type="slidenum">
               <a:rPr lang="he-IL" smtClean="0"/>
+              <a:pPr/>
               <a:t>‹#›</a:t>
             </a:fld>
             <a:endParaRPr lang="he-IL"/>
@@ -2145,7 +2164,8 @@
           <a:p>
             <a:fld id="{09ACC69C-1C34-4E5C-B402-C1E600821C04}" type="datetimeFigureOut">
               <a:rPr lang="he-IL" smtClean="0"/>
-              <a:t>י"ח/אב/תשע"ב</a:t>
+              <a:pPr/>
+              <a:t>כ'/אב/תשע"ב</a:t>
             </a:fld>
             <a:endParaRPr lang="he-IL"/>
           </a:p>
@@ -2187,6 +2207,7 @@
           <a:p>
             <a:fld id="{579FEC2A-48F0-426C-B2D0-87AC5AA4E67A}" type="slidenum">
               <a:rPr lang="he-IL" smtClean="0"/>
+              <a:pPr/>
               <a:t>‹#›</a:t>
             </a:fld>
             <a:endParaRPr lang="he-IL"/>
@@ -2409,7 +2430,8 @@
           <a:p>
             <a:fld id="{09ACC69C-1C34-4E5C-B402-C1E600821C04}" type="datetimeFigureOut">
               <a:rPr lang="he-IL" smtClean="0"/>
-              <a:t>י"ח/אב/תשע"ב</a:t>
+              <a:pPr/>
+              <a:t>כ'/אב/תשע"ב</a:t>
             </a:fld>
             <a:endParaRPr lang="he-IL"/>
           </a:p>
@@ -2451,6 +2473,7 @@
           <a:p>
             <a:fld id="{579FEC2A-48F0-426C-B2D0-87AC5AA4E67A}" type="slidenum">
               <a:rPr lang="he-IL" smtClean="0"/>
+              <a:pPr/>
               <a:t>‹#›</a:t>
             </a:fld>
             <a:endParaRPr lang="he-IL"/>
@@ -2626,7 +2649,8 @@
           <a:p>
             <a:fld id="{09ACC69C-1C34-4E5C-B402-C1E600821C04}" type="datetimeFigureOut">
               <a:rPr lang="he-IL" smtClean="0"/>
-              <a:t>י"ח/אב/תשע"ב</a:t>
+              <a:pPr/>
+              <a:t>כ'/אב/תשע"ב</a:t>
             </a:fld>
             <a:endParaRPr lang="he-IL"/>
           </a:p>
@@ -2704,6 +2728,7 @@
           <a:p>
             <a:fld id="{579FEC2A-48F0-426C-B2D0-87AC5AA4E67A}" type="slidenum">
               <a:rPr lang="he-IL" smtClean="0"/>
+              <a:pPr/>
               <a:t>‹#›</a:t>
             </a:fld>
             <a:endParaRPr lang="he-IL"/>
@@ -3096,8 +3121,8 @@
         </p:nvSpPr>
         <p:spPr>
           <a:xfrm>
-            <a:off x="1078880" y="152400"/>
-            <a:ext cx="6891631" cy="1754326"/>
+            <a:off x="924992" y="152400"/>
+            <a:ext cx="7199408" cy="1754326"/>
           </a:xfrm>
           <a:prstGeom prst="rect">
             <a:avLst/>
@@ -3166,7 +3191,34 @@
                   </a:glow>
                 </a:effectLst>
               </a:rPr>
-              <a:t>of network distances</a:t>
+              <a:t>of </a:t>
+            </a:r>
+            <a:r>
+              <a:rPr lang="en-US" sz="5400" b="1" spc="50" dirty="0" smtClean="0">
+                <a:ln w="12700" cmpd="sng">
+                  <a:solidFill>
+                    <a:schemeClr val="accent6">
+                      <a:satMod val="120000"/>
+                      <a:shade val="80000"/>
+                    </a:schemeClr>
+                  </a:solidFill>
+                  <a:prstDash val="solid"/>
+                </a:ln>
+                <a:solidFill>
+                  <a:schemeClr val="accent6">
+                    <a:tint val="1000"/>
+                  </a:schemeClr>
+                </a:solidFill>
+                <a:effectLst>
+                  <a:glow rad="53100">
+                    <a:schemeClr val="accent6">
+                      <a:satMod val="180000"/>
+                      <a:alpha val="30000"/>
+                    </a:schemeClr>
+                  </a:glow>
+                </a:effectLst>
+              </a:rPr>
+              <a:t>Network Distances</a:t>
             </a:r>
             <a:endParaRPr lang="en-US" sz="5400" b="1" spc="50" dirty="0">
               <a:ln w="12700" cmpd="sng">
@@ -3309,54 +3361,9 @@
         </p:xfrm>
         <a:graphic>
           <a:graphicData uri="http://schemas.openxmlformats.org/presentationml/2006/ole">
-            <mc:AlternateContent xmlns:mc="http://schemas.openxmlformats.org/markup-compatibility/2006">
-              <mc:Choice xmlns:v="urn:schemas-microsoft-com:vml" Requires="v">
-                <p:oleObj spid="_x0000_s19461" r:id="rId3" imgW="8798230" imgH="5750190" progId="Visio.Drawing.11">
-                  <p:embed/>
-                </p:oleObj>
-              </mc:Choice>
-              <mc:Fallback>
-                <p:oleObj r:id="rId3" imgW="8798230" imgH="5750190" progId="Visio.Drawing.11">
-                  <p:embed/>
-                  <p:pic>
-                    <p:nvPicPr>
-                      <p:cNvPr id="0" name="Picture 2"/>
-                      <p:cNvPicPr>
-                        <a:picLocks noChangeAspect="1" noChangeArrowheads="1"/>
-                      </p:cNvPicPr>
-                      <p:nvPr/>
-                    </p:nvPicPr>
-                    <p:blipFill>
-                      <a:blip r:embed="rId4">
-                        <a:extLst>
-                          <a:ext uri="{28A0092B-C50C-407E-A947-70E740481C1C}">
-                            <a14:useLocalDpi xmlns:a14="http://schemas.microsoft.com/office/drawing/2010/main" val="0"/>
-                          </a:ext>
-                        </a:extLst>
-                      </a:blip>
-                      <a:srcRect/>
-                      <a:stretch>
-                        <a:fillRect/>
-                      </a:stretch>
-                    </p:blipFill>
-                    <p:spPr bwMode="auto">
-                      <a:xfrm>
-                        <a:off x="304800" y="1143000"/>
-                        <a:ext cx="8458200" cy="5536833"/>
-                      </a:xfrm>
-                      <a:prstGeom prst="rect">
-                        <a:avLst/>
-                      </a:prstGeom>
-                      <a:solidFill>
-                        <a:srgbClr val="FFCC00">
-                          <a:alpha val="50000"/>
-                        </a:srgbClr>
-                      </a:solidFill>
-                    </p:spPr>
-                  </p:pic>
-                </p:oleObj>
-              </mc:Fallback>
-            </mc:AlternateContent>
+            <p:oleObj spid="_x0000_s19461" r:id="rId3" imgW="8798230" imgH="5750190" progId="Visio.Drawing.11">
+              <p:embed/>
+            </p:oleObj>
           </a:graphicData>
         </a:graphic>
       </p:graphicFrame>
@@ -3536,7 +3543,7 @@
         </p:spPr>
         <p:txBody>
           <a:bodyPr>
-            <a:normAutofit/>
+            <a:normAutofit lnSpcReduction="10000"/>
           </a:bodyPr>
           <a:lstStyle/>
           <a:p>
@@ -3545,7 +3552,92 @@
             </a:pPr>
             <a:r>
               <a:rPr lang="he-IL" dirty="0" smtClean="0"/>
-              <a:t>הוסף פירוט כאן...</a:t>
+              <a:t>לאחר שהמשתמש אישר את בחירותיו המערכת מעבירה את המידע למודול המתקשר מול ה-</a:t>
+            </a:r>
+            <a:r>
+              <a:rPr lang="en-US" dirty="0" smtClean="0"/>
+              <a:t>DB</a:t>
+            </a:r>
+            <a:r>
+              <a:rPr lang="he-IL" dirty="0" smtClean="0"/>
+              <a:t> של </a:t>
+            </a:r>
+            <a:r>
+              <a:rPr lang="en-US" dirty="0" smtClean="0"/>
+              <a:t>DIMES</a:t>
+            </a:r>
+            <a:r>
+              <a:rPr lang="he-IL" dirty="0" smtClean="0"/>
+              <a:t>.</a:t>
+            </a:r>
+          </a:p>
+          <a:p>
+            <a:pPr>
+              <a:buFont typeface="Arial" charset="0"/>
+              <a:buChar char="•"/>
+            </a:pPr>
+            <a:r>
+              <a:rPr lang="he-IL" dirty="0" smtClean="0"/>
+              <a:t>תחילה פותחים חיבורים לשתי הסכמות מולן הוגדר שנעבוד.</a:t>
+            </a:r>
+          </a:p>
+          <a:p>
+            <a:pPr>
+              <a:buFont typeface="Arial" charset="0"/>
+              <a:buChar char="•"/>
+            </a:pPr>
+            <a:r>
+              <a:rPr lang="he-IL" dirty="0" smtClean="0"/>
+              <a:t>לאחר מכן מכינים ומריצים שאילתה לפי ההעדפות שהזין המשתמש:</a:t>
+            </a:r>
+          </a:p>
+          <a:p>
+            <a:pPr lvl="1">
+              <a:buFont typeface="Arial" charset="0"/>
+              <a:buChar char="•"/>
+            </a:pPr>
+            <a:r>
+              <a:rPr lang="he-IL" dirty="0" smtClean="0"/>
+              <a:t>הגבלת מספר התוצאות שחוזרות או אי-הגבלת המספר</a:t>
+            </a:r>
+          </a:p>
+          <a:p>
+            <a:pPr lvl="1">
+              <a:buFont typeface="Arial" charset="0"/>
+              <a:buChar char="•"/>
+            </a:pPr>
+            <a:r>
+              <a:rPr lang="he-IL" dirty="0" smtClean="0"/>
+              <a:t>קבלת תוצאות שנכנסו לטבלת הניסויים בתאריך מסוים</a:t>
+            </a:r>
+            <a:endParaRPr lang="he-IL" dirty="0" smtClean="0"/>
+          </a:p>
+          <a:p>
+            <a:pPr lvl="1">
+              <a:buFont typeface="Arial" charset="0"/>
+              <a:buChar char="•"/>
+            </a:pPr>
+            <a:r>
+              <a:rPr lang="he-IL" dirty="0" smtClean="0"/>
+              <a:t>סוג הזמן הנמדד שייעשה בו שימוש – הכי טוב, ממוצע או הכי גרוע</a:t>
+            </a:r>
+          </a:p>
+          <a:p>
+            <a:pPr lvl="1">
+              <a:buFont typeface="Arial" charset="0"/>
+              <a:buChar char="•"/>
+            </a:pPr>
+            <a:r>
+              <a:rPr lang="he-IL" dirty="0" smtClean="0"/>
+              <a:t>שימוש ברשימת כתובות </a:t>
+            </a:r>
+            <a:r>
+              <a:rPr lang="en-US" dirty="0" smtClean="0"/>
+              <a:t>IP</a:t>
+            </a:r>
+            <a:r>
+              <a:rPr lang="he-IL" dirty="0" smtClean="0"/>
+              <a:t> ספציפיות שיכללו בתוצאות, יסוננו מהתוצאות או לחפש תוצאות רק עבורן.</a:t>
             </a:r>
             <a:endParaRPr lang="he-IL" dirty="0" smtClean="0"/>
           </a:p>
@@ -3554,7 +3646,7 @@
     </p:spTree>
     <p:extLst>
       <p:ext uri="{BB962C8B-B14F-4D97-AF65-F5344CB8AC3E}">
-        <p14:creationId xmlns:p14="http://schemas.microsoft.com/office/powerpoint/2010/main" val="2606455311"/>
+        <p14:creationId xmlns:p14="http://schemas.microsoft.com/office/powerpoint/2010/main" xmlns="" val="2606455311"/>
       </p:ext>
     </p:extLst>
   </p:cSld>
@@ -3607,6 +3699,211 @@
           </a:fontRef>
         </p:style>
         <p:txBody>
+          <a:bodyPr>
+            <a:normAutofit/>
+          </a:bodyPr>
+          <a:lstStyle/>
+          <a:p>
+            <a:r>
+              <a:rPr lang="he-IL" dirty="0" smtClean="0"/>
+              <a:t>מודול ה-</a:t>
+            </a:r>
+            <a:r>
+              <a:rPr lang="en-US" dirty="0" smtClean="0"/>
+              <a:t>Java</a:t>
+            </a:r>
+            <a:r>
+              <a:rPr lang="he-IL" dirty="0" smtClean="0"/>
+              <a:t> בעבודה מול </a:t>
+            </a:r>
+            <a:r>
+              <a:rPr lang="en-US" dirty="0" smtClean="0"/>
+              <a:t>DIMES</a:t>
+            </a:r>
+            <a:r>
+              <a:rPr lang="he-IL" dirty="0" smtClean="0"/>
+              <a:t> </a:t>
+            </a:r>
+            <a:r>
+              <a:rPr lang="he-IL" sz="2800" dirty="0" smtClean="0"/>
+              <a:t>(המשך)</a:t>
+            </a:r>
+            <a:endParaRPr lang="he-IL" dirty="0"/>
+          </a:p>
+        </p:txBody>
+      </p:sp>
+      <p:sp>
+        <p:nvSpPr>
+          <p:cNvPr id="3" name="Content Placeholder 2"/>
+          <p:cNvSpPr>
+            <a:spLocks noGrp="1"/>
+          </p:cNvSpPr>
+          <p:nvPr>
+            <p:ph idx="1"/>
+          </p:nvPr>
+        </p:nvSpPr>
+        <p:spPr>
+          <a:xfrm>
+            <a:off x="381000" y="1600200"/>
+            <a:ext cx="8305800" cy="4709160"/>
+          </a:xfrm>
+        </p:spPr>
+        <p:txBody>
+          <a:bodyPr>
+            <a:normAutofit/>
+          </a:bodyPr>
+          <a:lstStyle/>
+          <a:p>
+            <a:pPr>
+              <a:buNone/>
+            </a:pPr>
+            <a:r>
+              <a:rPr lang="he-IL" dirty="0" smtClean="0"/>
+              <a:t>לאחר קבלת תוצאות הרצת השאילתה, נפרסר אותן ונשמור את המידע כך שנוכל לכתוב אותו במרוכז לקובץ שיועבר למודול ה-</a:t>
+            </a:r>
+            <a:r>
+              <a:rPr lang="en-US" dirty="0" smtClean="0"/>
+              <a:t>Matlab</a:t>
+            </a:r>
+            <a:r>
+              <a:rPr lang="he-IL" dirty="0" smtClean="0"/>
+              <a:t>.</a:t>
+            </a:r>
+          </a:p>
+          <a:p>
+            <a:pPr>
+              <a:buNone/>
+            </a:pPr>
+            <a:r>
+              <a:rPr lang="he-IL" dirty="0" smtClean="0"/>
+              <a:t>בנוסף, בגלל ההפרדה בין השרתים, נריץ לכל כתובת </a:t>
+            </a:r>
+            <a:r>
+              <a:rPr lang="en-US" dirty="0" smtClean="0"/>
+              <a:t>IP</a:t>
+            </a:r>
+            <a:r>
+              <a:rPr lang="he-IL" dirty="0" smtClean="0"/>
+              <a:t> שאילתה לבירור הקואורדינאטות שלה</a:t>
+            </a:r>
+          </a:p>
+          <a:p>
+            <a:pPr lvl="1">
+              <a:buNone/>
+            </a:pPr>
+            <a:r>
+              <a:rPr lang="he-IL" dirty="0" smtClean="0"/>
+              <a:t>* נבדוק אם </a:t>
+            </a:r>
+            <a:r>
+              <a:rPr lang="en-US" dirty="0" smtClean="0"/>
+              <a:t>IP</a:t>
+            </a:r>
+            <a:r>
+              <a:rPr lang="he-IL" dirty="0" smtClean="0"/>
+              <a:t> המקור הוא </a:t>
+            </a:r>
+            <a:r>
+              <a:rPr lang="en-US" dirty="0" smtClean="0"/>
+              <a:t>I</a:t>
+            </a:r>
+            <a:r>
+              <a:rPr lang="en-US" dirty="0" smtClean="0"/>
+              <a:t>P</a:t>
+            </a:r>
+            <a:r>
+              <a:rPr lang="he-IL" dirty="0" smtClean="0"/>
+              <a:t> ברשת פנימית ונחפש עבורו את ה-</a:t>
+            </a:r>
+            <a:r>
+              <a:rPr lang="en-US" dirty="0" smtClean="0"/>
+              <a:t>IP</a:t>
+            </a:r>
+            <a:r>
+              <a:rPr lang="he-IL" dirty="0" smtClean="0"/>
+              <a:t> הראשון שאיננו פרטי כדי להשתמש בקואורדינאטות שלו</a:t>
+            </a:r>
+          </a:p>
+          <a:p>
+            <a:pPr>
+              <a:buNone/>
+            </a:pPr>
+            <a:r>
+              <a:rPr lang="he-IL" dirty="0" smtClean="0"/>
+              <a:t>לבסוף, נכתוב את המידע לתוך הקובץ שיועבר למודול ה-</a:t>
+            </a:r>
+            <a:r>
+              <a:rPr lang="en-US" dirty="0" smtClean="0"/>
+              <a:t>Matlab</a:t>
+            </a:r>
+            <a:r>
+              <a:rPr lang="he-IL" dirty="0" smtClean="0"/>
+              <a:t>, ונסגור את </a:t>
+            </a:r>
+            <a:r>
+              <a:rPr lang="he-IL" smtClean="0"/>
+              <a:t>החיבורים שפתחנו.</a:t>
+            </a:r>
+            <a:endParaRPr lang="he-IL" sz="3200" dirty="0" smtClean="0"/>
+          </a:p>
+        </p:txBody>
+      </p:sp>
+    </p:spTree>
+    <p:extLst>
+      <p:ext uri="{BB962C8B-B14F-4D97-AF65-F5344CB8AC3E}">
+        <p14:creationId xmlns:p14="http://schemas.microsoft.com/office/powerpoint/2010/main" xmlns="" val="2606455311"/>
+      </p:ext>
+    </p:extLst>
+  </p:cSld>
+  <p:clrMapOvr>
+    <a:masterClrMapping/>
+  </p:clrMapOvr>
+</p:sld>
+</file>
+
+<file path=ppt/slides/slide13.xml><?xml version="1.0" encoding="utf-8"?>
+<p:sld xmlns:a="http://schemas.openxmlformats.org/drawingml/2006/main" xmlns:r="http://schemas.openxmlformats.org/officeDocument/2006/relationships" xmlns:p="http://schemas.openxmlformats.org/presentationml/2006/main">
+  <p:cSld>
+    <p:spTree>
+      <p:nvGrpSpPr>
+        <p:cNvPr id="1" name=""/>
+        <p:cNvGrpSpPr/>
+        <p:nvPr/>
+      </p:nvGrpSpPr>
+      <p:grpSpPr>
+        <a:xfrm>
+          <a:off x="0" y="0"/>
+          <a:ext cx="0" cy="0"/>
+          <a:chOff x="0" y="0"/>
+          <a:chExt cx="0" cy="0"/>
+        </a:xfrm>
+      </p:grpSpPr>
+      <p:sp>
+        <p:nvSpPr>
+          <p:cNvPr id="2" name="Title 1"/>
+          <p:cNvSpPr>
+            <a:spLocks noGrp="1"/>
+          </p:cNvSpPr>
+          <p:nvPr>
+            <p:ph type="title"/>
+          </p:nvPr>
+        </p:nvSpPr>
+        <p:spPr/>
+        <p:style>
+          <a:lnRef idx="1">
+            <a:schemeClr val="accent4"/>
+          </a:lnRef>
+          <a:fillRef idx="2">
+            <a:schemeClr val="accent4"/>
+          </a:fillRef>
+          <a:effectRef idx="1">
+            <a:schemeClr val="accent4"/>
+          </a:effectRef>
+          <a:fontRef idx="minor">
+            <a:schemeClr val="dk1"/>
+          </a:fontRef>
+        </p:style>
+        <p:txBody>
           <a:bodyPr/>
           <a:lstStyle/>
           <a:p>
@@ -3670,54 +3967,9 @@
         </p:xfrm>
         <a:graphic>
           <a:graphicData uri="http://schemas.openxmlformats.org/presentationml/2006/ole">
-            <mc:AlternateContent xmlns:mc="http://schemas.openxmlformats.org/markup-compatibility/2006">
-              <mc:Choice xmlns:v="urn:schemas-microsoft-com:vml" Requires="v">
-                <p:oleObj spid="_x0000_s20485" r:id="rId3" imgW="8798230" imgH="5750190" progId="Visio.Drawing.11">
-                  <p:embed/>
-                </p:oleObj>
-              </mc:Choice>
-              <mc:Fallback>
-                <p:oleObj r:id="rId3" imgW="8798230" imgH="5750190" progId="Visio.Drawing.11">
-                  <p:embed/>
-                  <p:pic>
-                    <p:nvPicPr>
-                      <p:cNvPr id="0" name="Picture 2"/>
-                      <p:cNvPicPr>
-                        <a:picLocks noChangeAspect="1" noChangeArrowheads="1"/>
-                      </p:cNvPicPr>
-                      <p:nvPr/>
-                    </p:nvPicPr>
-                    <p:blipFill>
-                      <a:blip r:embed="rId4">
-                        <a:extLst>
-                          <a:ext uri="{28A0092B-C50C-407E-A947-70E740481C1C}">
-                            <a14:useLocalDpi xmlns:a14="http://schemas.microsoft.com/office/drawing/2010/main" val="0"/>
-                          </a:ext>
-                        </a:extLst>
-                      </a:blip>
-                      <a:srcRect/>
-                      <a:stretch>
-                        <a:fillRect/>
-                      </a:stretch>
-                    </p:blipFill>
-                    <p:spPr bwMode="auto">
-                      <a:xfrm>
-                        <a:off x="304800" y="1143000"/>
-                        <a:ext cx="8458200" cy="5536833"/>
-                      </a:xfrm>
-                      <a:prstGeom prst="rect">
-                        <a:avLst/>
-                      </a:prstGeom>
-                      <a:solidFill>
-                        <a:srgbClr val="FFCC00">
-                          <a:alpha val="50000"/>
-                        </a:srgbClr>
-                      </a:solidFill>
-                    </p:spPr>
-                  </p:pic>
-                </p:oleObj>
-              </mc:Fallback>
-            </mc:AlternateContent>
+            <p:oleObj spid="_x0000_s20485" r:id="rId3" imgW="8798230" imgH="5750190" progId="Visio.Drawing.11">
+              <p:embed/>
+            </p:oleObj>
           </a:graphicData>
         </a:graphic>
       </p:graphicFrame>
@@ -3811,198 +4063,6 @@
 </p:sld>
 </file>
 
-<file path=ppt/slides/slide13.xml><?xml version="1.0" encoding="utf-8"?>
-<p:sld xmlns:a="http://schemas.openxmlformats.org/drawingml/2006/main" xmlns:r="http://schemas.openxmlformats.org/officeDocument/2006/relationships" xmlns:p="http://schemas.openxmlformats.org/presentationml/2006/main">
-  <p:cSld>
-    <p:spTree>
-      <p:nvGrpSpPr>
-        <p:cNvPr id="1" name=""/>
-        <p:cNvGrpSpPr/>
-        <p:nvPr/>
-      </p:nvGrpSpPr>
-      <p:grpSpPr>
-        <a:xfrm>
-          <a:off x="0" y="0"/>
-          <a:ext cx="0" cy="0"/>
-          <a:chOff x="0" y="0"/>
-          <a:chExt cx="0" cy="0"/>
-        </a:xfrm>
-      </p:grpSpPr>
-      <p:sp>
-        <p:nvSpPr>
-          <p:cNvPr id="2" name="Title 1"/>
-          <p:cNvSpPr>
-            <a:spLocks noGrp="1"/>
-          </p:cNvSpPr>
-          <p:nvPr>
-            <p:ph type="title"/>
-          </p:nvPr>
-        </p:nvSpPr>
-        <p:spPr/>
-        <p:style>
-          <a:lnRef idx="1">
-            <a:schemeClr val="accent4"/>
-          </a:lnRef>
-          <a:fillRef idx="2">
-            <a:schemeClr val="accent4"/>
-          </a:fillRef>
-          <a:effectRef idx="1">
-            <a:schemeClr val="accent4"/>
-          </a:effectRef>
-          <a:fontRef idx="minor">
-            <a:schemeClr val="dk1"/>
-          </a:fontRef>
-        </p:style>
-        <p:txBody>
-          <a:bodyPr>
-            <a:normAutofit/>
-          </a:bodyPr>
-          <a:lstStyle/>
-          <a:p>
-            <a:r>
-              <a:rPr lang="he-IL" dirty="0" smtClean="0"/>
-              <a:t>קובץ נתונים </a:t>
-            </a:r>
-            <a:r>
-              <a:rPr lang="he-IL" dirty="0" err="1" smtClean="0"/>
-              <a:t>למטלב</a:t>
-            </a:r>
-            <a:endParaRPr lang="he-IL" dirty="0"/>
-          </a:p>
-        </p:txBody>
-      </p:sp>
-      <p:sp>
-        <p:nvSpPr>
-          <p:cNvPr id="3" name="Content Placeholder 2"/>
-          <p:cNvSpPr>
-            <a:spLocks noGrp="1"/>
-          </p:cNvSpPr>
-          <p:nvPr>
-            <p:ph idx="1"/>
-          </p:nvPr>
-        </p:nvSpPr>
-        <p:spPr>
-          <a:xfrm>
-            <a:off x="381000" y="1600200"/>
-            <a:ext cx="8305800" cy="4709160"/>
-          </a:xfrm>
-        </p:spPr>
-        <p:txBody>
-          <a:bodyPr>
-            <a:normAutofit/>
-          </a:bodyPr>
-          <a:lstStyle/>
-          <a:p>
-            <a:pPr>
-              <a:buNone/>
-            </a:pPr>
-            <a:r>
-              <a:rPr lang="he-IL" dirty="0" smtClean="0"/>
-              <a:t>לאחר שהתקבלו הנתונים מה</a:t>
-            </a:r>
-            <a:r>
-              <a:rPr lang="en-US" dirty="0" smtClean="0"/>
-              <a:t>DB</a:t>
-            </a:r>
-            <a:r>
-              <a:rPr lang="he-IL" dirty="0" smtClean="0"/>
-              <a:t>, המערכת תעבד את הנתונים לתוך קובץ מיוחד בפורמט יחיד וסדיר, אשר ידוע מראש שזהו הפורמט לו </a:t>
-            </a:r>
-            <a:r>
-              <a:rPr lang="he-IL" dirty="0" err="1" smtClean="0"/>
-              <a:t>המטלב</a:t>
-            </a:r>
-            <a:r>
-              <a:rPr lang="he-IL" dirty="0" smtClean="0"/>
-              <a:t> מחכה.</a:t>
-            </a:r>
-            <a:endParaRPr lang="he-IL" sz="2000" dirty="0" smtClean="0"/>
-          </a:p>
-          <a:p>
-            <a:pPr>
-              <a:buNone/>
-            </a:pPr>
-            <a:r>
-              <a:rPr lang="he-IL" dirty="0" smtClean="0"/>
-              <a:t>פורמט זה כולל:</a:t>
-            </a:r>
-          </a:p>
-          <a:p>
-            <a:pPr>
-              <a:buFontTx/>
-              <a:buChar char="-"/>
-            </a:pPr>
-            <a:r>
-              <a:rPr lang="he-IL" dirty="0" smtClean="0"/>
-              <a:t>נ"צ המקור</a:t>
-            </a:r>
-          </a:p>
-          <a:p>
-            <a:pPr>
-              <a:buFontTx/>
-              <a:buChar char="-"/>
-            </a:pPr>
-            <a:r>
-              <a:rPr lang="he-IL" dirty="0" smtClean="0"/>
-              <a:t>רשימת נ"צ של היעדים</a:t>
-            </a:r>
-          </a:p>
-          <a:p>
-            <a:pPr>
-              <a:buFontTx/>
-              <a:buChar char="-"/>
-            </a:pPr>
-            <a:r>
-              <a:rPr lang="he-IL" dirty="0" smtClean="0"/>
-              <a:t>הזמנים שנמדדו ליעדים</a:t>
-            </a:r>
-          </a:p>
-          <a:p>
-            <a:pPr>
-              <a:buFontTx/>
-              <a:buChar char="-"/>
-            </a:pPr>
-            <a:r>
-              <a:rPr lang="he-IL" dirty="0" smtClean="0"/>
-              <a:t>פרטי היעדים (כתובות </a:t>
-            </a:r>
-            <a:r>
-              <a:rPr lang="en-US" dirty="0" smtClean="0"/>
-              <a:t>IP</a:t>
-            </a:r>
-            <a:r>
-              <a:rPr lang="he-IL" dirty="0" smtClean="0"/>
-              <a:t>)</a:t>
-            </a:r>
-          </a:p>
-          <a:p>
-            <a:pPr>
-              <a:buFontTx/>
-              <a:buChar char="-"/>
-            </a:pPr>
-            <a:r>
-              <a:rPr lang="he-IL" dirty="0" smtClean="0"/>
-              <a:t>בחירות שנעשו ע"י המשתמש והם באחריות </a:t>
-            </a:r>
-            <a:r>
-              <a:rPr lang="he-IL" dirty="0" err="1" smtClean="0"/>
-              <a:t>המטלב</a:t>
-            </a:r>
-            <a:r>
-              <a:rPr lang="he-IL" dirty="0" smtClean="0"/>
-              <a:t>.</a:t>
-            </a:r>
-          </a:p>
-        </p:txBody>
-      </p:sp>
-    </p:spTree>
-  </p:cSld>
-  <p:clrMapOvr>
-    <a:masterClrMapping/>
-  </p:clrMapOvr>
-</p:sld>
-</file>
-
 <file path=ppt/slides/slide14.xml><?xml version="1.0" encoding="utf-8"?>
 <p:sld xmlns:a="http://schemas.openxmlformats.org/drawingml/2006/main" xmlns:r="http://schemas.openxmlformats.org/officeDocument/2006/relationships" xmlns:p="http://schemas.openxmlformats.org/presentationml/2006/main">
   <p:cSld>
@@ -4046,6 +4106,198 @@
           </a:fontRef>
         </p:style>
         <p:txBody>
+          <a:bodyPr>
+            <a:normAutofit/>
+          </a:bodyPr>
+          <a:lstStyle/>
+          <a:p>
+            <a:r>
+              <a:rPr lang="he-IL" dirty="0" smtClean="0"/>
+              <a:t>קובץ נתונים </a:t>
+            </a:r>
+            <a:r>
+              <a:rPr lang="he-IL" dirty="0" err="1" smtClean="0"/>
+              <a:t>למטלב</a:t>
+            </a:r>
+            <a:endParaRPr lang="he-IL" dirty="0"/>
+          </a:p>
+        </p:txBody>
+      </p:sp>
+      <p:sp>
+        <p:nvSpPr>
+          <p:cNvPr id="3" name="Content Placeholder 2"/>
+          <p:cNvSpPr>
+            <a:spLocks noGrp="1"/>
+          </p:cNvSpPr>
+          <p:nvPr>
+            <p:ph idx="1"/>
+          </p:nvPr>
+        </p:nvSpPr>
+        <p:spPr>
+          <a:xfrm>
+            <a:off x="381000" y="1600200"/>
+            <a:ext cx="8305800" cy="4709160"/>
+          </a:xfrm>
+        </p:spPr>
+        <p:txBody>
+          <a:bodyPr>
+            <a:normAutofit/>
+          </a:bodyPr>
+          <a:lstStyle/>
+          <a:p>
+            <a:pPr>
+              <a:buNone/>
+            </a:pPr>
+            <a:r>
+              <a:rPr lang="he-IL" dirty="0" smtClean="0"/>
+              <a:t>לאחר שהתקבלו הנתונים מה</a:t>
+            </a:r>
+            <a:r>
+              <a:rPr lang="en-US" dirty="0" smtClean="0"/>
+              <a:t>DB</a:t>
+            </a:r>
+            <a:r>
+              <a:rPr lang="he-IL" dirty="0" smtClean="0"/>
+              <a:t>, המערכת תעבד את הנתונים לתוך קובץ מיוחד בפורמט יחיד וסדיר, אשר ידוע מראש שזהו הפורמט לו </a:t>
+            </a:r>
+            <a:r>
+              <a:rPr lang="he-IL" dirty="0" err="1" smtClean="0"/>
+              <a:t>המטלב</a:t>
+            </a:r>
+            <a:r>
+              <a:rPr lang="he-IL" dirty="0" smtClean="0"/>
+              <a:t> מחכה.</a:t>
+            </a:r>
+            <a:endParaRPr lang="he-IL" sz="2000" dirty="0" smtClean="0"/>
+          </a:p>
+          <a:p>
+            <a:pPr>
+              <a:buNone/>
+            </a:pPr>
+            <a:r>
+              <a:rPr lang="he-IL" dirty="0" smtClean="0"/>
+              <a:t>פורמט זה כולל:</a:t>
+            </a:r>
+          </a:p>
+          <a:p>
+            <a:pPr>
+              <a:buFontTx/>
+              <a:buChar char="-"/>
+            </a:pPr>
+            <a:r>
+              <a:rPr lang="he-IL" dirty="0" smtClean="0"/>
+              <a:t>נ"צ המקור</a:t>
+            </a:r>
+          </a:p>
+          <a:p>
+            <a:pPr>
+              <a:buFontTx/>
+              <a:buChar char="-"/>
+            </a:pPr>
+            <a:r>
+              <a:rPr lang="he-IL" dirty="0" smtClean="0"/>
+              <a:t>רשימת נ"צ של היעדים</a:t>
+            </a:r>
+          </a:p>
+          <a:p>
+            <a:pPr>
+              <a:buFontTx/>
+              <a:buChar char="-"/>
+            </a:pPr>
+            <a:r>
+              <a:rPr lang="he-IL" dirty="0" smtClean="0"/>
+              <a:t>הזמנים שנמדדו ליעדים</a:t>
+            </a:r>
+          </a:p>
+          <a:p>
+            <a:pPr>
+              <a:buFontTx/>
+              <a:buChar char="-"/>
+            </a:pPr>
+            <a:r>
+              <a:rPr lang="he-IL" dirty="0" smtClean="0"/>
+              <a:t>פרטי היעדים (כתובות </a:t>
+            </a:r>
+            <a:r>
+              <a:rPr lang="en-US" dirty="0" smtClean="0"/>
+              <a:t>IP</a:t>
+            </a:r>
+            <a:r>
+              <a:rPr lang="he-IL" dirty="0" smtClean="0"/>
+              <a:t>)</a:t>
+            </a:r>
+          </a:p>
+          <a:p>
+            <a:pPr>
+              <a:buFontTx/>
+              <a:buChar char="-"/>
+            </a:pPr>
+            <a:r>
+              <a:rPr lang="he-IL" dirty="0" smtClean="0"/>
+              <a:t>בחירות שנעשו ע"י המשתמש והם באחריות </a:t>
+            </a:r>
+            <a:r>
+              <a:rPr lang="he-IL" dirty="0" err="1" smtClean="0"/>
+              <a:t>המטלב</a:t>
+            </a:r>
+            <a:r>
+              <a:rPr lang="he-IL" dirty="0" smtClean="0"/>
+              <a:t>.</a:t>
+            </a:r>
+          </a:p>
+        </p:txBody>
+      </p:sp>
+    </p:spTree>
+  </p:cSld>
+  <p:clrMapOvr>
+    <a:masterClrMapping/>
+  </p:clrMapOvr>
+</p:sld>
+</file>
+
+<file path=ppt/slides/slide15.xml><?xml version="1.0" encoding="utf-8"?>
+<p:sld xmlns:a="http://schemas.openxmlformats.org/drawingml/2006/main" xmlns:r="http://schemas.openxmlformats.org/officeDocument/2006/relationships" xmlns:p="http://schemas.openxmlformats.org/presentationml/2006/main">
+  <p:cSld>
+    <p:spTree>
+      <p:nvGrpSpPr>
+        <p:cNvPr id="1" name=""/>
+        <p:cNvGrpSpPr/>
+        <p:nvPr/>
+      </p:nvGrpSpPr>
+      <p:grpSpPr>
+        <a:xfrm>
+          <a:off x="0" y="0"/>
+          <a:ext cx="0" cy="0"/>
+          <a:chOff x="0" y="0"/>
+          <a:chExt cx="0" cy="0"/>
+        </a:xfrm>
+      </p:grpSpPr>
+      <p:sp>
+        <p:nvSpPr>
+          <p:cNvPr id="2" name="Title 1"/>
+          <p:cNvSpPr>
+            <a:spLocks noGrp="1"/>
+          </p:cNvSpPr>
+          <p:nvPr>
+            <p:ph type="title"/>
+          </p:nvPr>
+        </p:nvSpPr>
+        <p:spPr/>
+        <p:style>
+          <a:lnRef idx="1">
+            <a:schemeClr val="accent4"/>
+          </a:lnRef>
+          <a:fillRef idx="2">
+            <a:schemeClr val="accent4"/>
+          </a:fillRef>
+          <a:effectRef idx="1">
+            <a:schemeClr val="accent4"/>
+          </a:effectRef>
+          <a:fontRef idx="minor">
+            <a:schemeClr val="dk1"/>
+          </a:fontRef>
+        </p:style>
+        <p:txBody>
           <a:bodyPr/>
           <a:lstStyle/>
           <a:p>
@@ -4109,54 +4361,9 @@
         </p:xfrm>
         <a:graphic>
           <a:graphicData uri="http://schemas.openxmlformats.org/presentationml/2006/ole">
-            <mc:AlternateContent xmlns:mc="http://schemas.openxmlformats.org/markup-compatibility/2006">
-              <mc:Choice xmlns:v="urn:schemas-microsoft-com:vml" Requires="v">
-                <p:oleObj spid="_x0000_s21509" r:id="rId3" imgW="8798230" imgH="5750190" progId="Visio.Drawing.11">
-                  <p:embed/>
-                </p:oleObj>
-              </mc:Choice>
-              <mc:Fallback>
-                <p:oleObj r:id="rId3" imgW="8798230" imgH="5750190" progId="Visio.Drawing.11">
-                  <p:embed/>
-                  <p:pic>
-                    <p:nvPicPr>
-                      <p:cNvPr id="0" name="Picture 2"/>
-                      <p:cNvPicPr>
-                        <a:picLocks noChangeAspect="1" noChangeArrowheads="1"/>
-                      </p:cNvPicPr>
-                      <p:nvPr/>
-                    </p:nvPicPr>
-                    <p:blipFill>
-                      <a:blip r:embed="rId4">
-                        <a:extLst>
-                          <a:ext uri="{28A0092B-C50C-407E-A947-70E740481C1C}">
-                            <a14:useLocalDpi xmlns:a14="http://schemas.microsoft.com/office/drawing/2010/main" val="0"/>
-                          </a:ext>
-                        </a:extLst>
-                      </a:blip>
-                      <a:srcRect/>
-                      <a:stretch>
-                        <a:fillRect/>
-                      </a:stretch>
-                    </p:blipFill>
-                    <p:spPr bwMode="auto">
-                      <a:xfrm>
-                        <a:off x="304800" y="1143000"/>
-                        <a:ext cx="8458200" cy="5536833"/>
-                      </a:xfrm>
-                      <a:prstGeom prst="rect">
-                        <a:avLst/>
-                      </a:prstGeom>
-                      <a:solidFill>
-                        <a:srgbClr val="FFCC00">
-                          <a:alpha val="50000"/>
-                        </a:srgbClr>
-                      </a:solidFill>
-                    </p:spPr>
-                  </p:pic>
-                </p:oleObj>
-              </mc:Fallback>
-            </mc:AlternateContent>
+            <p:oleObj spid="_x0000_s21509" r:id="rId3" imgW="8798230" imgH="5750190" progId="Visio.Drawing.11">
+              <p:embed/>
+            </p:oleObj>
           </a:graphicData>
         </a:graphic>
       </p:graphicFrame>
@@ -4250,7 +4457,7 @@
 </p:sld>
 </file>
 
-<file path=ppt/slides/slide15.xml><?xml version="1.0" encoding="utf-8"?>
+<file path=ppt/slides/slide16.xml><?xml version="1.0" encoding="utf-8"?>
 <p:sld xmlns:a="http://schemas.openxmlformats.org/drawingml/2006/main" xmlns:r="http://schemas.openxmlformats.org/officeDocument/2006/relationships" xmlns:p="http://schemas.openxmlformats.org/presentationml/2006/main">
   <p:cSld>
     <p:spTree>
@@ -4433,7 +4640,7 @@
 </p:sld>
 </file>
 
-<file path=ppt/slides/slide16.xml><?xml version="1.0" encoding="utf-8"?>
+<file path=ppt/slides/slide17.xml><?xml version="1.0" encoding="utf-8"?>
 <p:sld xmlns:a="http://schemas.openxmlformats.org/drawingml/2006/main" xmlns:r="http://schemas.openxmlformats.org/officeDocument/2006/relationships" xmlns:p="http://schemas.openxmlformats.org/presentationml/2006/main">
   <p:cSld>
     <p:spTree>
@@ -5002,7 +5209,7 @@
 </p:sld>
 </file>
 
-<file path=ppt/slides/slide17.xml><?xml version="1.0" encoding="utf-8"?>
+<file path=ppt/slides/slide18.xml><?xml version="1.0" encoding="utf-8"?>
 <p:sld xmlns:a="http://schemas.openxmlformats.org/drawingml/2006/main" xmlns:r="http://schemas.openxmlformats.org/officeDocument/2006/relationships" xmlns:p="http://schemas.openxmlformats.org/presentationml/2006/main">
   <p:cSld>
     <p:spTree>
@@ -5108,54 +5315,9 @@
         </p:xfrm>
         <a:graphic>
           <a:graphicData uri="http://schemas.openxmlformats.org/presentationml/2006/ole">
-            <mc:AlternateContent xmlns:mc="http://schemas.openxmlformats.org/markup-compatibility/2006">
-              <mc:Choice xmlns:v="urn:schemas-microsoft-com:vml" Requires="v">
-                <p:oleObj spid="_x0000_s22533" r:id="rId3" imgW="8798230" imgH="5750190" progId="Visio.Drawing.11">
-                  <p:embed/>
-                </p:oleObj>
-              </mc:Choice>
-              <mc:Fallback>
-                <p:oleObj r:id="rId3" imgW="8798230" imgH="5750190" progId="Visio.Drawing.11">
-                  <p:embed/>
-                  <p:pic>
-                    <p:nvPicPr>
-                      <p:cNvPr id="0" name="Picture 2"/>
-                      <p:cNvPicPr>
-                        <a:picLocks noChangeAspect="1" noChangeArrowheads="1"/>
-                      </p:cNvPicPr>
-                      <p:nvPr/>
-                    </p:nvPicPr>
-                    <p:blipFill>
-                      <a:blip r:embed="rId4">
-                        <a:extLst>
-                          <a:ext uri="{28A0092B-C50C-407E-A947-70E740481C1C}">
-                            <a14:useLocalDpi xmlns:a14="http://schemas.microsoft.com/office/drawing/2010/main" val="0"/>
-                          </a:ext>
-                        </a:extLst>
-                      </a:blip>
-                      <a:srcRect/>
-                      <a:stretch>
-                        <a:fillRect/>
-                      </a:stretch>
-                    </p:blipFill>
-                    <p:spPr bwMode="auto">
-                      <a:xfrm>
-                        <a:off x="304800" y="1143000"/>
-                        <a:ext cx="8458200" cy="5536833"/>
-                      </a:xfrm>
-                      <a:prstGeom prst="rect">
-                        <a:avLst/>
-                      </a:prstGeom>
-                      <a:solidFill>
-                        <a:srgbClr val="FFCC00">
-                          <a:alpha val="50000"/>
-                        </a:srgbClr>
-                      </a:solidFill>
-                    </p:spPr>
-                  </p:pic>
-                </p:oleObj>
-              </mc:Fallback>
-            </mc:AlternateContent>
+            <p:oleObj spid="_x0000_s22533" r:id="rId3" imgW="8798230" imgH="5750190" progId="Visio.Drawing.11">
+              <p:embed/>
+            </p:oleObj>
           </a:graphicData>
         </a:graphic>
       </p:graphicFrame>
@@ -5249,7 +5411,7 @@
 </p:sld>
 </file>
 
-<file path=ppt/slides/slide18.xml><?xml version="1.0" encoding="utf-8"?>
+<file path=ppt/slides/slide19.xml><?xml version="1.0" encoding="utf-8"?>
 <p:sld xmlns:a="http://schemas.openxmlformats.org/drawingml/2006/main" xmlns:r="http://schemas.openxmlformats.org/officeDocument/2006/relationships" xmlns:p="http://schemas.openxmlformats.org/presentationml/2006/main">
   <p:cSld>
     <p:spTree>
@@ -5476,152 +5638,6 @@
 </p:sld>
 </file>
 
-<file path=ppt/slides/slide19.xml><?xml version="1.0" encoding="utf-8"?>
-<p:sld xmlns:a="http://schemas.openxmlformats.org/drawingml/2006/main" xmlns:r="http://schemas.openxmlformats.org/officeDocument/2006/relationships" xmlns:p="http://schemas.openxmlformats.org/presentationml/2006/main">
-  <p:cSld>
-    <p:spTree>
-      <p:nvGrpSpPr>
-        <p:cNvPr id="1" name=""/>
-        <p:cNvGrpSpPr/>
-        <p:nvPr/>
-      </p:nvGrpSpPr>
-      <p:grpSpPr>
-        <a:xfrm>
-          <a:off x="0" y="0"/>
-          <a:ext cx="0" cy="0"/>
-          <a:chOff x="0" y="0"/>
-          <a:chExt cx="0" cy="0"/>
-        </a:xfrm>
-      </p:grpSpPr>
-      <p:sp>
-        <p:nvSpPr>
-          <p:cNvPr id="2" name="Title 1"/>
-          <p:cNvSpPr>
-            <a:spLocks noGrp="1"/>
-          </p:cNvSpPr>
-          <p:nvPr>
-            <p:ph type="title"/>
-          </p:nvPr>
-        </p:nvSpPr>
-        <p:spPr/>
-        <p:style>
-          <a:lnRef idx="1">
-            <a:schemeClr val="accent5"/>
-          </a:lnRef>
-          <a:fillRef idx="2">
-            <a:schemeClr val="accent5"/>
-          </a:fillRef>
-          <a:effectRef idx="1">
-            <a:schemeClr val="accent5"/>
-          </a:effectRef>
-          <a:fontRef idx="minor">
-            <a:schemeClr val="dk1"/>
-          </a:fontRef>
-        </p:style>
-        <p:txBody>
-          <a:bodyPr>
-            <a:normAutofit/>
-          </a:bodyPr>
-          <a:lstStyle/>
-          <a:p>
-            <a:r>
-              <a:rPr lang="he-IL" dirty="0" smtClean="0"/>
-              <a:t>המשך העבודה בעתיד</a:t>
-            </a:r>
-            <a:endParaRPr lang="he-IL" dirty="0"/>
-          </a:p>
-        </p:txBody>
-      </p:sp>
-      <p:sp>
-        <p:nvSpPr>
-          <p:cNvPr id="3" name="Content Placeholder 2"/>
-          <p:cNvSpPr>
-            <a:spLocks noGrp="1"/>
-          </p:cNvSpPr>
-          <p:nvPr>
-            <p:ph idx="1"/>
-          </p:nvPr>
-        </p:nvSpPr>
-        <p:spPr>
-          <a:xfrm>
-            <a:off x="304800" y="1600200"/>
-            <a:ext cx="8382000" cy="4709160"/>
-          </a:xfrm>
-        </p:spPr>
-        <p:txBody>
-          <a:bodyPr>
-            <a:normAutofit/>
-          </a:bodyPr>
-          <a:lstStyle/>
-          <a:p>
-            <a:pPr>
-              <a:buNone/>
-            </a:pPr>
-            <a:r>
-              <a:rPr lang="he-IL" dirty="0" smtClean="0"/>
-              <a:t>ניתן להמשיך </a:t>
-            </a:r>
-            <a:r>
-              <a:rPr lang="he-IL" dirty="0" err="1" smtClean="0"/>
-              <a:t>פרוייקט</a:t>
-            </a:r>
-            <a:r>
-              <a:rPr lang="he-IL" dirty="0" smtClean="0"/>
-              <a:t> זה במספר מישורים להמשך התייעלות:</a:t>
-            </a:r>
-          </a:p>
-          <a:p>
-            <a:pPr>
-              <a:buNone/>
-            </a:pPr>
-            <a:endParaRPr lang="he-IL" dirty="0" smtClean="0"/>
-          </a:p>
-          <a:p>
-            <a:pPr>
-              <a:buFontTx/>
-              <a:buChar char="-"/>
-            </a:pPr>
-            <a:r>
-              <a:rPr lang="he-IL" dirty="0" smtClean="0"/>
-              <a:t>הרחבת התוצאות המוצגות כך שיציגו מספר מקורות בו-זמנית.</a:t>
-            </a:r>
-          </a:p>
-          <a:p>
-            <a:pPr>
-              <a:buFontTx/>
-              <a:buChar char="-"/>
-            </a:pPr>
-            <a:r>
-              <a:rPr lang="he-IL" dirty="0" smtClean="0"/>
-              <a:t>להתרחב לתחום הגרפיקה הממוחשבת ולהפעיל אלגוריתם יעיל לצמצום חכם של הנקודות המופיעות בגרף.</a:t>
-            </a:r>
-          </a:p>
-          <a:p>
-            <a:pPr>
-              <a:buFontTx/>
-              <a:buChar char="-"/>
-            </a:pPr>
-            <a:r>
-              <a:rPr lang="he-IL" dirty="0" smtClean="0"/>
-              <a:t>הרחבה לניסויים המציגים איכות חיבור, כלומר האם כל הניסויים הגיעו ליעדם, או רק חלקם, או אולי לא הגיע כלל – לידי ביטוי גרפי גם כן.</a:t>
-            </a:r>
-          </a:p>
-          <a:p>
-            <a:pPr>
-              <a:buNone/>
-            </a:pPr>
-            <a:endParaRPr lang="he-IL" dirty="0" smtClean="0"/>
-          </a:p>
-        </p:txBody>
-      </p:sp>
-    </p:spTree>
-  </p:cSld>
-  <p:clrMapOvr>
-    <a:masterClrMapping/>
-  </p:clrMapOvr>
-</p:sld>
-</file>
-
 <file path=ppt/slides/slide2.xml><?xml version="1.0" encoding="utf-8"?>
 <p:sld xmlns:a="http://schemas.openxmlformats.org/drawingml/2006/main" xmlns:r="http://schemas.openxmlformats.org/officeDocument/2006/relationships" xmlns:p="http://schemas.openxmlformats.org/presentationml/2006/main">
   <p:cSld>
@@ -5740,6 +5756,152 @@
               <a:rPr lang="he-IL" dirty="0" smtClean="0"/>
               <a:t>המערכת המוצגת כאן שולפת את אותן התוצאות ומציגה אותן באופן גרפי, כך שהדגש העיקרי הוא להציג את העיוות בין המרחק הפיסי הקיים בפועל בין נקודות לבין ביטוי למרחק על בסיס הזמן שנמדד בין הנקודות הנ"ל.</a:t>
             </a:r>
+          </a:p>
+        </p:txBody>
+      </p:sp>
+    </p:spTree>
+  </p:cSld>
+  <p:clrMapOvr>
+    <a:masterClrMapping/>
+  </p:clrMapOvr>
+</p:sld>
+</file>
+
+<file path=ppt/slides/slide20.xml><?xml version="1.0" encoding="utf-8"?>
+<p:sld xmlns:a="http://schemas.openxmlformats.org/drawingml/2006/main" xmlns:r="http://schemas.openxmlformats.org/officeDocument/2006/relationships" xmlns:p="http://schemas.openxmlformats.org/presentationml/2006/main">
+  <p:cSld>
+    <p:spTree>
+      <p:nvGrpSpPr>
+        <p:cNvPr id="1" name=""/>
+        <p:cNvGrpSpPr/>
+        <p:nvPr/>
+      </p:nvGrpSpPr>
+      <p:grpSpPr>
+        <a:xfrm>
+          <a:off x="0" y="0"/>
+          <a:ext cx="0" cy="0"/>
+          <a:chOff x="0" y="0"/>
+          <a:chExt cx="0" cy="0"/>
+        </a:xfrm>
+      </p:grpSpPr>
+      <p:sp>
+        <p:nvSpPr>
+          <p:cNvPr id="2" name="Title 1"/>
+          <p:cNvSpPr>
+            <a:spLocks noGrp="1"/>
+          </p:cNvSpPr>
+          <p:nvPr>
+            <p:ph type="title"/>
+          </p:nvPr>
+        </p:nvSpPr>
+        <p:spPr/>
+        <p:style>
+          <a:lnRef idx="1">
+            <a:schemeClr val="accent5"/>
+          </a:lnRef>
+          <a:fillRef idx="2">
+            <a:schemeClr val="accent5"/>
+          </a:fillRef>
+          <a:effectRef idx="1">
+            <a:schemeClr val="accent5"/>
+          </a:effectRef>
+          <a:fontRef idx="minor">
+            <a:schemeClr val="dk1"/>
+          </a:fontRef>
+        </p:style>
+        <p:txBody>
+          <a:bodyPr>
+            <a:normAutofit/>
+          </a:bodyPr>
+          <a:lstStyle/>
+          <a:p>
+            <a:r>
+              <a:rPr lang="he-IL" dirty="0" smtClean="0"/>
+              <a:t>המשך העבודה בעתיד</a:t>
+            </a:r>
+            <a:endParaRPr lang="he-IL" dirty="0"/>
+          </a:p>
+        </p:txBody>
+      </p:sp>
+      <p:sp>
+        <p:nvSpPr>
+          <p:cNvPr id="3" name="Content Placeholder 2"/>
+          <p:cNvSpPr>
+            <a:spLocks noGrp="1"/>
+          </p:cNvSpPr>
+          <p:nvPr>
+            <p:ph idx="1"/>
+          </p:nvPr>
+        </p:nvSpPr>
+        <p:spPr>
+          <a:xfrm>
+            <a:off x="304800" y="1600200"/>
+            <a:ext cx="8382000" cy="4709160"/>
+          </a:xfrm>
+        </p:spPr>
+        <p:txBody>
+          <a:bodyPr>
+            <a:normAutofit/>
+          </a:bodyPr>
+          <a:lstStyle/>
+          <a:p>
+            <a:pPr>
+              <a:buNone/>
+            </a:pPr>
+            <a:r>
+              <a:rPr lang="he-IL" dirty="0" smtClean="0"/>
+              <a:t>ניתן להמשיך </a:t>
+            </a:r>
+            <a:r>
+              <a:rPr lang="he-IL" dirty="0" err="1" smtClean="0"/>
+              <a:t>פרוייקט</a:t>
+            </a:r>
+            <a:r>
+              <a:rPr lang="he-IL" dirty="0" smtClean="0"/>
+              <a:t> זה במספר מישורים להמשך התייעלות:</a:t>
+            </a:r>
+          </a:p>
+          <a:p>
+            <a:pPr>
+              <a:buNone/>
+            </a:pPr>
+            <a:endParaRPr lang="he-IL" dirty="0" smtClean="0"/>
+          </a:p>
+          <a:p>
+            <a:pPr>
+              <a:buFontTx/>
+              <a:buChar char="-"/>
+            </a:pPr>
+            <a:r>
+              <a:rPr lang="he-IL" dirty="0" smtClean="0"/>
+              <a:t>הרחבת התוצאות המוצגות כך שיציגו מספר מקורות בו-זמנית.</a:t>
+            </a:r>
+          </a:p>
+          <a:p>
+            <a:pPr>
+              <a:buFontTx/>
+              <a:buChar char="-"/>
+            </a:pPr>
+            <a:r>
+              <a:rPr lang="he-IL" dirty="0" smtClean="0"/>
+              <a:t>להתרחב לתחום הגרפיקה הממוחשבת ולהפעיל אלגוריתם יעיל לצמצום חכם של הנקודות המופיעות בגרף.</a:t>
+            </a:r>
+          </a:p>
+          <a:p>
+            <a:pPr>
+              <a:buFontTx/>
+              <a:buChar char="-"/>
+            </a:pPr>
+            <a:r>
+              <a:rPr lang="he-IL" dirty="0" smtClean="0"/>
+              <a:t>הרחבה לניסויים המציגים איכות חיבור, כלומר האם כל הניסויים הגיעו ליעדם, או רק חלקם, או אולי לא הגיע כלל – לידי ביטוי גרפי גם כן.</a:t>
+            </a:r>
+          </a:p>
+          <a:p>
+            <a:pPr>
+              <a:buNone/>
+            </a:pPr>
+            <a:endParaRPr lang="he-IL" dirty="0" smtClean="0"/>
           </a:p>
         </p:txBody>
       </p:sp>
@@ -5836,34 +5998,78 @@
           </a:p>
           <a:p>
             <a:pPr>
-              <a:buNone/>
+              <a:buFont typeface="Arial" charset="0"/>
+              <a:buChar char="•"/>
             </a:pPr>
             <a:r>
               <a:rPr lang="he-IL" dirty="0" smtClean="0"/>
-              <a:t>* שפת התכנות </a:t>
+              <a:t>שפת </a:t>
+            </a:r>
+            <a:r>
+              <a:rPr lang="he-IL" dirty="0" smtClean="0"/>
+              <a:t>התכנות </a:t>
             </a:r>
             <a:r>
               <a:rPr lang="en-US" dirty="0" smtClean="0"/>
-              <a:t>JAVA</a:t>
-            </a:r>
+              <a:t>Java</a:t>
+            </a:r>
+            <a:r>
+              <a:rPr lang="he-IL" dirty="0" smtClean="0"/>
+              <a:t> (</a:t>
+            </a:r>
+            <a:r>
+              <a:rPr lang="en-US" dirty="0" smtClean="0"/>
+              <a:t>JDK 1.6.0_26</a:t>
+            </a:r>
+            <a:r>
+              <a:rPr lang="he-IL" dirty="0" smtClean="0"/>
+              <a:t>)</a:t>
+            </a:r>
+            <a:endParaRPr lang="en-US" dirty="0" smtClean="0"/>
           </a:p>
           <a:p>
             <a:pPr>
-              <a:buNone/>
+              <a:buFont typeface="Arial" charset="0"/>
+              <a:buChar char="•"/>
             </a:pPr>
-            <a:endParaRPr lang="he-IL" dirty="0" smtClean="0"/>
+            <a:r>
+              <a:rPr lang="he-IL" dirty="0" smtClean="0"/>
+              <a:t>כלי </a:t>
+            </a:r>
+            <a:r>
+              <a:rPr lang="he-IL" dirty="0" smtClean="0"/>
+              <a:t>החישוב </a:t>
+            </a:r>
+            <a:r>
+              <a:rPr lang="en-US" dirty="0" smtClean="0"/>
+              <a:t>Matlab</a:t>
+            </a:r>
+            <a:r>
+              <a:rPr lang="he-IL" dirty="0" smtClean="0"/>
+              <a:t> (</a:t>
+            </a:r>
+            <a:r>
+              <a:rPr lang="en-US" dirty="0" smtClean="0"/>
+              <a:t>R2008b</a:t>
+            </a:r>
+            <a:r>
+              <a:rPr lang="he-IL" dirty="0" smtClean="0"/>
+              <a:t>)</a:t>
+            </a:r>
+            <a:endParaRPr lang="en-US" dirty="0" smtClean="0"/>
           </a:p>
           <a:p>
             <a:pPr>
-              <a:buNone/>
+              <a:buFont typeface="Arial" charset="0"/>
+              <a:buChar char="•"/>
             </a:pPr>
             <a:r>
               <a:rPr lang="he-IL" dirty="0" smtClean="0"/>
-              <a:t>* כלי החישוב </a:t>
-            </a:r>
-            <a:r>
-              <a:rPr lang="en-US" dirty="0" smtClean="0"/>
-              <a:t>MATLAB</a:t>
+              <a:t>מסד נתונים </a:t>
+            </a:r>
+            <a:r>
+              <a:rPr lang="en-US" dirty="0" err="1" smtClean="0"/>
+              <a:t>MySQL</a:t>
             </a:r>
             <a:endParaRPr lang="he-IL" dirty="0" smtClean="0"/>
           </a:p>
@@ -5924,7 +6130,7 @@
         </p:blipFill>
         <p:spPr bwMode="auto">
           <a:xfrm>
-            <a:off x="3124200" y="4876800"/>
+            <a:off x="1447800" y="4876800"/>
             <a:ext cx="2714625" cy="1285875"/>
           </a:xfrm>
           <a:prstGeom prst="rect">
@@ -5937,6 +6143,32 @@
             <a:headEnd/>
             <a:tailEnd/>
           </a:ln>
+        </p:spPr>
+      </p:pic>
+      <p:pic>
+        <p:nvPicPr>
+          <p:cNvPr id="4097" name="Picture 1" descr="D:\Ariel\mysql-logo.jpg"/>
+          <p:cNvPicPr>
+            <a:picLocks noChangeAspect="1" noChangeArrowheads="1"/>
+          </p:cNvPicPr>
+          <p:nvPr/>
+        </p:nvPicPr>
+        <p:blipFill>
+          <a:blip r:embed="rId4" cstate="print"/>
+          <a:srcRect/>
+          <a:stretch>
+            <a:fillRect/>
+          </a:stretch>
+        </p:blipFill>
+        <p:spPr bwMode="auto">
+          <a:xfrm>
+            <a:off x="6121490" y="4876800"/>
+            <a:ext cx="1879510" cy="1371600"/>
+          </a:xfrm>
+          <a:prstGeom prst="rect">
+            <a:avLst/>
+          </a:prstGeom>
+          <a:noFill/>
         </p:spPr>
       </p:pic>
     </p:spTree>
@@ -6048,7 +6280,7 @@
           <p:nvPr>
             <p:extLst>
               <p:ext uri="{D42A27DB-BD31-4B8C-83A1-F6EECF244321}">
-                <p14:modId xmlns:p14="http://schemas.microsoft.com/office/powerpoint/2010/main" val="797411647"/>
+                <p14:modId xmlns:p14="http://schemas.microsoft.com/office/powerpoint/2010/main" xmlns="" val="797411647"/>
               </p:ext>
             </p:extLst>
           </p:nvPr>
@@ -6059,48 +6291,9 @@
         </p:xfrm>
         <a:graphic>
           <a:graphicData uri="http://schemas.openxmlformats.org/presentationml/2006/ole">
-            <mc:AlternateContent xmlns:mc="http://schemas.openxmlformats.org/markup-compatibility/2006">
-              <mc:Choice xmlns:v="urn:schemas-microsoft-com:vml" Requires="v">
-                <p:oleObj spid="_x0000_s3076" name="Visio" r:id="rId3" imgW="8798230" imgH="5750190" progId="Visio.Drawing.11">
-                  <p:embed/>
-                </p:oleObj>
-              </mc:Choice>
-              <mc:Fallback>
-                <p:oleObj name="Visio" r:id="rId3" imgW="8798230" imgH="5750190" progId="Visio.Drawing.11">
-                  <p:embed/>
-                  <p:pic>
-                    <p:nvPicPr>
-                      <p:cNvPr id="0" name="Picture 1"/>
-                      <p:cNvPicPr>
-                        <a:picLocks noChangeAspect="1" noChangeArrowheads="1"/>
-                      </p:cNvPicPr>
-                      <p:nvPr/>
-                    </p:nvPicPr>
-                    <p:blipFill>
-                      <a:blip r:embed="rId4"/>
-                      <a:srcRect/>
-                      <a:stretch>
-                        <a:fillRect/>
-                      </a:stretch>
-                    </p:blipFill>
-                    <p:spPr bwMode="auto">
-                      <a:xfrm>
-                        <a:off x="304800" y="1143000"/>
-                        <a:ext cx="8458200" cy="5536833"/>
-                      </a:xfrm>
-                      <a:prstGeom prst="rect">
-                        <a:avLst/>
-                      </a:prstGeom>
-                      <a:solidFill>
-                        <a:srgbClr val="FFCC00">
-                          <a:alpha val="50000"/>
-                        </a:srgbClr>
-                      </a:solidFill>
-                    </p:spPr>
-                  </p:pic>
-                </p:oleObj>
-              </mc:Fallback>
-            </mc:AlternateContent>
+            <p:oleObj spid="_x0000_s3076" name="Visio" r:id="rId3" imgW="8798230" imgH="5750190" progId="Visio.Drawing.11">
+              <p:embed/>
+            </p:oleObj>
           </a:graphicData>
         </a:graphic>
       </p:graphicFrame>
@@ -6417,7 +6610,11 @@
           <a:p>
             <a:r>
               <a:rPr lang="he-IL" dirty="0" smtClean="0"/>
-              <a:t>אלמנטים יסודיים בממשק המשתמש</a:t>
+              <a:t>אלמנטים יסודיים בממשק </a:t>
+            </a:r>
+            <a:r>
+              <a:rPr lang="he-IL" dirty="0" smtClean="0"/>
+              <a:t>המשתמש</a:t>
             </a:r>
             <a:endParaRPr lang="he-IL" dirty="0"/>
           </a:p>
@@ -6627,7 +6824,11 @@
           <a:p>
             <a:r>
               <a:rPr lang="he-IL" dirty="0" smtClean="0"/>
-              <a:t>אלמנטים יסודיים בממשק המשתמש</a:t>
+              <a:t>אלמנטים יסודיים בממשק המשתמש </a:t>
+            </a:r>
+            <a:r>
+              <a:rPr lang="he-IL" sz="2700" dirty="0" smtClean="0"/>
+              <a:t>(המשך)</a:t>
             </a:r>
             <a:endParaRPr lang="he-IL" dirty="0"/>
           </a:p>
@@ -6673,44 +6874,79 @@
             </a:r>
             <a:r>
               <a:rPr lang="en-US" dirty="0" smtClean="0"/>
-              <a:t>HOST</a:t>
-            </a:r>
-            <a:r>
-              <a:rPr lang="he-IL" dirty="0" smtClean="0"/>
-              <a:t> ו</a:t>
+              <a:t>Host</a:t>
+            </a:r>
+            <a:r>
+              <a:rPr lang="he-IL" dirty="0" smtClean="0"/>
+              <a:t> ו-</a:t>
             </a:r>
             <a:r>
               <a:rPr lang="en-US" dirty="0" smtClean="0"/>
-              <a:t>PORT</a:t>
-            </a:r>
-            <a:r>
-              <a:rPr lang="he-IL" dirty="0" smtClean="0"/>
-              <a:t> הוא מעוניין להתחבר, אם יש צורך בשם משתמש </a:t>
-            </a:r>
-            <a:r>
-              <a:rPr lang="he-IL" dirty="0" err="1" smtClean="0"/>
-              <a:t>וססמה</a:t>
-            </a:r>
-            <a:r>
-              <a:rPr lang="he-IL" dirty="0" smtClean="0"/>
-              <a:t>, כמו כן גם לבחור טבלאות וסכמות מה</a:t>
+              <a:t>Port</a:t>
+            </a:r>
+            <a:r>
+              <a:rPr lang="he-IL" dirty="0" smtClean="0"/>
+              <a:t> </a:t>
+            </a:r>
+            <a:r>
+              <a:rPr lang="he-IL" dirty="0" smtClean="0"/>
+              <a:t>הוא מעוניין </a:t>
+            </a:r>
+            <a:r>
+              <a:rPr lang="he-IL" dirty="0" smtClean="0"/>
+              <a:t>להתחבר</a:t>
             </a:r>
             <a:r>
               <a:rPr lang="en-US" dirty="0" smtClean="0"/>
-              <a:t>DB</a:t>
-            </a:r>
-            <a:r>
-              <a:rPr lang="he-IL" dirty="0" smtClean="0"/>
               <a:t> </a:t>
             </a:r>
             <a:r>
-              <a:rPr lang="he-IL" dirty="0" err="1" smtClean="0"/>
-              <a:t>שילקחו</a:t>
-            </a:r>
-            <a:r>
-              <a:rPr lang="he-IL" dirty="0" smtClean="0"/>
-              <a:t> הנתונים מהן.</a:t>
-            </a:r>
+              <a:rPr lang="he-IL" dirty="0" smtClean="0"/>
+              <a:t> כדי לבחור את השרת שבו נמצאות הסכמות הנחוצות.</a:t>
+            </a:r>
+          </a:p>
+          <a:p>
+            <a:pPr>
+              <a:buNone/>
+            </a:pPr>
+            <a:r>
+              <a:rPr lang="he-IL" dirty="0" smtClean="0"/>
+              <a:t>אם </a:t>
+            </a:r>
+            <a:r>
+              <a:rPr lang="he-IL" dirty="0" smtClean="0"/>
+              <a:t>יש צורך בשם משתמש </a:t>
+            </a:r>
+            <a:r>
+              <a:rPr lang="he-IL" dirty="0" smtClean="0"/>
+              <a:t>וסיסמה ניתן להזין אותם</a:t>
+            </a:r>
+          </a:p>
+          <a:p>
+            <a:pPr>
+              <a:buNone/>
+            </a:pPr>
+            <a:r>
+              <a:rPr lang="he-IL" dirty="0" smtClean="0"/>
+              <a:t>כמו </a:t>
+            </a:r>
+            <a:r>
+              <a:rPr lang="he-IL" dirty="0" smtClean="0"/>
+              <a:t>כן </a:t>
+            </a:r>
+            <a:r>
+              <a:rPr lang="he-IL" dirty="0" smtClean="0"/>
+              <a:t>ניתן </a:t>
+            </a:r>
+            <a:r>
+              <a:rPr lang="he-IL" dirty="0" smtClean="0"/>
+              <a:t>לבחור </a:t>
+            </a:r>
+            <a:r>
+              <a:rPr lang="he-IL" dirty="0" smtClean="0"/>
+              <a:t>את הסכמות והטבלאות שמהן יילקחו הנתונים.</a:t>
+            </a:r>
+            <a:endParaRPr lang="he-IL" dirty="0" smtClean="0"/>
           </a:p>
         </p:txBody>
       </p:sp>
@@ -6839,7 +7075,11 @@
           <a:p>
             <a:r>
               <a:rPr lang="he-IL" dirty="0" smtClean="0"/>
-              <a:t>אלמנטים יסודיים בממשק המשתמש</a:t>
+              <a:t>אלמנטים יסודיים בממשק המשתמש </a:t>
+            </a:r>
+            <a:r>
+              <a:rPr lang="he-IL" sz="2700" dirty="0" smtClean="0"/>
+              <a:t>(המשך)</a:t>
             </a:r>
             <a:endParaRPr lang="he-IL" dirty="0"/>
           </a:p>
